--- a/GPIB CS layout.pptx
+++ b/GPIB CS layout.pptx
@@ -106,7 +106,49 @@
       </a:defRPr>
     </a:lvl9pPr>
   </p:defaultTextStyle>
+  <p:extLst>
+    <p:ext uri="{EFAFB233-063F-42B5-8137-9DF3F51BA10A}">
+      <p15:sldGuideLst xmlns:p15="http://schemas.microsoft.com/office/powerpoint/2012/main"/>
+    </p:ext>
+  </p:extLst>
 </p:presentation>
+</file>
+
+<file path=ppt/changesInfos/changesInfo1.xml><?xml version="1.0" encoding="utf-8"?>
+<pc:chgInfo xmlns:a="http://schemas.openxmlformats.org/drawingml/2006/main" xmlns:r="http://schemas.openxmlformats.org/officeDocument/2006/relationships" xmlns:ac="http://schemas.microsoft.com/office/drawing/2013/main/command" xmlns:pc="http://schemas.microsoft.com/office/powerpoint/2013/main/command">
+  <pc:docChgLst>
+    <pc:chgData name="David Zhou" userId="8a3345178b38c5d1" providerId="LiveId" clId="{95D6C37A-595B-4704-9A8A-F25F06E18F1E}"/>
+    <pc:docChg chg="modSld">
+      <pc:chgData name="David Zhou" userId="8a3345178b38c5d1" providerId="LiveId" clId="{95D6C37A-595B-4704-9A8A-F25F06E18F1E}" dt="2020-09-04T13:59:38.409" v="39" actId="1076"/>
+      <pc:docMkLst>
+        <pc:docMk/>
+      </pc:docMkLst>
+      <pc:sldChg chg="addSp modSp mod">
+        <pc:chgData name="David Zhou" userId="8a3345178b38c5d1" providerId="LiveId" clId="{95D6C37A-595B-4704-9A8A-F25F06E18F1E}" dt="2020-09-04T13:59:38.409" v="39" actId="1076"/>
+        <pc:sldMkLst>
+          <pc:docMk/>
+          <pc:sldMk cId="613530370" sldId="256"/>
+        </pc:sldMkLst>
+        <pc:spChg chg="add mod">
+          <ac:chgData name="David Zhou" userId="8a3345178b38c5d1" providerId="LiveId" clId="{95D6C37A-595B-4704-9A8A-F25F06E18F1E}" dt="2020-09-04T13:59:20.818" v="9" actId="1076"/>
+          <ac:spMkLst>
+            <pc:docMk/>
+            <pc:sldMk cId="613530370" sldId="256"/>
+            <ac:spMk id="2" creationId="{A0D657EF-0F73-433F-A507-B0D03395069F}"/>
+          </ac:spMkLst>
+        </pc:spChg>
+        <pc:spChg chg="add mod">
+          <ac:chgData name="David Zhou" userId="8a3345178b38c5d1" providerId="LiveId" clId="{95D6C37A-595B-4704-9A8A-F25F06E18F1E}" dt="2020-09-04T13:59:38.409" v="39" actId="1076"/>
+          <ac:spMkLst>
+            <pc:docMk/>
+            <pc:sldMk cId="613530370" sldId="256"/>
+            <ac:spMk id="3" creationId="{88C31DD5-F666-43BE-8315-D463BEA24695}"/>
+          </ac:spMkLst>
+        </pc:spChg>
+      </pc:sldChg>
+    </pc:docChg>
+  </pc:docChgLst>
+</pc:chgInfo>
 </file>
 
 <file path=ppt/slideLayouts/slideLayout1.xml><?xml version="1.0" encoding="utf-8"?>
@@ -258,7 +300,7 @@
           <a:p>
             <a:fld id="{C6E9CB55-9153-4362-974D-990A8F5D9912}" type="datetimeFigureOut">
               <a:rPr lang="en-CA" smtClean="0"/>
-              <a:t>2020-09-03</a:t>
+              <a:t>2020-09-04</a:t>
             </a:fld>
             <a:endParaRPr lang="en-CA"/>
           </a:p>
@@ -458,7 +500,7 @@
           <a:p>
             <a:fld id="{C6E9CB55-9153-4362-974D-990A8F5D9912}" type="datetimeFigureOut">
               <a:rPr lang="en-CA" smtClean="0"/>
-              <a:t>2020-09-03</a:t>
+              <a:t>2020-09-04</a:t>
             </a:fld>
             <a:endParaRPr lang="en-CA"/>
           </a:p>
@@ -668,7 +710,7 @@
           <a:p>
             <a:fld id="{C6E9CB55-9153-4362-974D-990A8F5D9912}" type="datetimeFigureOut">
               <a:rPr lang="en-CA" smtClean="0"/>
-              <a:t>2020-09-03</a:t>
+              <a:t>2020-09-04</a:t>
             </a:fld>
             <a:endParaRPr lang="en-CA"/>
           </a:p>
@@ -868,7 +910,7 @@
           <a:p>
             <a:fld id="{C6E9CB55-9153-4362-974D-990A8F5D9912}" type="datetimeFigureOut">
               <a:rPr lang="en-CA" smtClean="0"/>
-              <a:t>2020-09-03</a:t>
+              <a:t>2020-09-04</a:t>
             </a:fld>
             <a:endParaRPr lang="en-CA"/>
           </a:p>
@@ -1144,7 +1186,7 @@
           <a:p>
             <a:fld id="{C6E9CB55-9153-4362-974D-990A8F5D9912}" type="datetimeFigureOut">
               <a:rPr lang="en-CA" smtClean="0"/>
-              <a:t>2020-09-03</a:t>
+              <a:t>2020-09-04</a:t>
             </a:fld>
             <a:endParaRPr lang="en-CA"/>
           </a:p>
@@ -1412,7 +1454,7 @@
           <a:p>
             <a:fld id="{C6E9CB55-9153-4362-974D-990A8F5D9912}" type="datetimeFigureOut">
               <a:rPr lang="en-CA" smtClean="0"/>
-              <a:t>2020-09-03</a:t>
+              <a:t>2020-09-04</a:t>
             </a:fld>
             <a:endParaRPr lang="en-CA"/>
           </a:p>
@@ -1827,7 +1869,7 @@
           <a:p>
             <a:fld id="{C6E9CB55-9153-4362-974D-990A8F5D9912}" type="datetimeFigureOut">
               <a:rPr lang="en-CA" smtClean="0"/>
-              <a:t>2020-09-03</a:t>
+              <a:t>2020-09-04</a:t>
             </a:fld>
             <a:endParaRPr lang="en-CA"/>
           </a:p>
@@ -1969,7 +2011,7 @@
           <a:p>
             <a:fld id="{C6E9CB55-9153-4362-974D-990A8F5D9912}" type="datetimeFigureOut">
               <a:rPr lang="en-CA" smtClean="0"/>
-              <a:t>2020-09-03</a:t>
+              <a:t>2020-09-04</a:t>
             </a:fld>
             <a:endParaRPr lang="en-CA"/>
           </a:p>
@@ -2082,7 +2124,7 @@
           <a:p>
             <a:fld id="{C6E9CB55-9153-4362-974D-990A8F5D9912}" type="datetimeFigureOut">
               <a:rPr lang="en-CA" smtClean="0"/>
-              <a:t>2020-09-03</a:t>
+              <a:t>2020-09-04</a:t>
             </a:fld>
             <a:endParaRPr lang="en-CA"/>
           </a:p>
@@ -2395,7 +2437,7 @@
           <a:p>
             <a:fld id="{C6E9CB55-9153-4362-974D-990A8F5D9912}" type="datetimeFigureOut">
               <a:rPr lang="en-CA" smtClean="0"/>
-              <a:t>2020-09-03</a:t>
+              <a:t>2020-09-04</a:t>
             </a:fld>
             <a:endParaRPr lang="en-CA"/>
           </a:p>
@@ -2684,7 +2726,7 @@
           <a:p>
             <a:fld id="{C6E9CB55-9153-4362-974D-990A8F5D9912}" type="datetimeFigureOut">
               <a:rPr lang="en-CA" smtClean="0"/>
-              <a:t>2020-09-03</a:t>
+              <a:t>2020-09-04</a:t>
             </a:fld>
             <a:endParaRPr lang="en-CA"/>
           </a:p>
@@ -2927,7 +2969,7 @@
           <a:p>
             <a:fld id="{C6E9CB55-9153-4362-974D-990A8F5D9912}" type="datetimeFigureOut">
               <a:rPr lang="en-CA" smtClean="0"/>
-              <a:t>2020-09-03</a:t>
+              <a:t>2020-09-04</a:t>
             </a:fld>
             <a:endParaRPr lang="en-CA"/>
           </a:p>
@@ -4014,6 +4056,95 @@
           </a:p>
         </p:txBody>
       </p:sp>
+      <p:sp>
+        <p:nvSpPr>
+          <p:cNvPr id="2" name="Rectangle 1">
+            <a:extLst>
+              <a:ext uri="{FF2B5EF4-FFF2-40B4-BE49-F238E27FC236}">
+                <a16:creationId xmlns:a16="http://schemas.microsoft.com/office/drawing/2014/main" id="{A0D657EF-0F73-433F-A507-B0D03395069F}"/>
+              </a:ext>
+            </a:extLst>
+          </p:cNvPr>
+          <p:cNvSpPr/>
+          <p:nvPr/>
+        </p:nvSpPr>
+        <p:spPr>
+          <a:xfrm>
+            <a:off x="5657272" y="5721927"/>
+            <a:ext cx="1477818" cy="886691"/>
+          </a:xfrm>
+          <a:prstGeom prst="rect">
+            <a:avLst/>
+          </a:prstGeom>
+          <a:solidFill>
+            <a:srgbClr val="FFC000"/>
+          </a:solidFill>
+        </p:spPr>
+        <p:style>
+          <a:lnRef idx="2">
+            <a:schemeClr val="accent1">
+              <a:shade val="50000"/>
+            </a:schemeClr>
+          </a:lnRef>
+          <a:fillRef idx="1">
+            <a:schemeClr val="accent1"/>
+          </a:fillRef>
+          <a:effectRef idx="0">
+            <a:schemeClr val="accent1"/>
+          </a:effectRef>
+          <a:fontRef idx="minor">
+            <a:schemeClr val="lt1"/>
+          </a:fontRef>
+        </p:style>
+        <p:txBody>
+          <a:bodyPr rtlCol="0" anchor="ctr"/>
+          <a:lstStyle/>
+          <a:p>
+            <a:pPr algn="ctr"/>
+            <a:r>
+              <a:rPr lang="en-US" altLang="zh-CN" sz="3200" dirty="0"/>
+              <a:t>DUT</a:t>
+            </a:r>
+            <a:endParaRPr lang="en-CA" sz="3200" dirty="0"/>
+          </a:p>
+        </p:txBody>
+      </p:sp>
+      <p:sp>
+        <p:nvSpPr>
+          <p:cNvPr id="3" name="TextBox 2">
+            <a:extLst>
+              <a:ext uri="{FF2B5EF4-FFF2-40B4-BE49-F238E27FC236}">
+                <a16:creationId xmlns:a16="http://schemas.microsoft.com/office/drawing/2014/main" id="{88C31DD5-F666-43BE-8315-D463BEA24695}"/>
+              </a:ext>
+            </a:extLst>
+          </p:cNvPr>
+          <p:cNvSpPr txBox="1"/>
+          <p:nvPr/>
+        </p:nvSpPr>
+        <p:spPr>
+          <a:xfrm>
+            <a:off x="7135090" y="5980606"/>
+            <a:ext cx="1737142" cy="369332"/>
+          </a:xfrm>
+          <a:prstGeom prst="rect">
+            <a:avLst/>
+          </a:prstGeom>
+          <a:noFill/>
+        </p:spPr>
+        <p:txBody>
+          <a:bodyPr wrap="none" rtlCol="0">
+            <a:spAutoFit/>
+          </a:bodyPr>
+          <a:lstStyle/>
+          <a:p>
+            <a:r>
+              <a:rPr lang="en-US" altLang="zh-CN" dirty="0"/>
+              <a:t>=Tester logic site</a:t>
+            </a:r>
+            <a:endParaRPr lang="en-CA" dirty="0"/>
+          </a:p>
+        </p:txBody>
+      </p:sp>
     </p:spTree>
     <p:extLst>
       <p:ext uri="{BB962C8B-B14F-4D97-AF65-F5344CB8AC3E}">
